--- a/ppt/8-进程调度和进程的切换.pptx
+++ b/ppt/8-进程调度和进程的切换.pptx
@@ -3011,72 +3011,9 @@
           </a:p>
         </p:txBody>
       </p:sp>
-      <p:pic>
-        <p:nvPicPr>
-          <p:cNvPr id="120" name="pasted-image.png"/>
-          <p:cNvPicPr>
-            <a:picLocks noChangeAspect="1"/>
-          </p:cNvPicPr>
-          <p:nvPr/>
-        </p:nvPicPr>
-        <p:blipFill>
-          <a:blip r:embed="rId1"/>
-          <a:stretch>
-            <a:fillRect/>
-          </a:stretch>
-        </p:blipFill>
-        <p:spPr>
-          <a:xfrm>
-            <a:off x="19086777" y="9340198"/>
-            <a:ext cx="3604906" cy="3604905"/>
-          </a:xfrm>
-          <a:prstGeom prst="rect">
-            <a:avLst/>
-          </a:prstGeom>
-          <a:ln w="12700">
-            <a:miter lim="400000"/>
-            <a:headEnd/>
-            <a:tailEnd/>
-          </a:ln>
-        </p:spPr>
-      </p:pic>
       <p:sp>
         <p:nvSpPr>
-          <p:cNvPr id="121" name="Shape 121"/>
-          <p:cNvSpPr/>
-          <p:nvPr/>
-        </p:nvSpPr>
-        <p:spPr>
-          <a:xfrm>
-            <a:off x="20070080" y="12798845"/>
-            <a:ext cx="1638301" cy="635001"/>
-          </a:xfrm>
-          <a:prstGeom prst="rect">
-            <a:avLst/>
-          </a:prstGeom>
-          <a:ln w="12700">
-            <a:miter lim="400000"/>
-          </a:ln>
-        </p:spPr>
-        <p:txBody>
-          <a:bodyPr wrap="none" lIns="50800" tIns="50800" rIns="50800" bIns="50800" anchor="ctr">
-            <a:spAutoFit/>
-          </a:bodyPr>
-          <a:lstStyle>
-            <a:lvl1pPr>
-              <a:defRPr sz="3000"/>
-            </a:lvl1pPr>
-          </a:lstStyle>
-          <a:p>
-            <a:r>
-              <a:t>关注孟宁</a:t>
-            </a:r>
-          </a:p>
-        </p:txBody>
-      </p:sp>
-      <p:sp>
-        <p:nvSpPr>
-          <p:cNvPr id="122" name="Shape 122"/>
+          <p:cNvPr id="158" name="Shape 158"/>
           <p:cNvSpPr/>
           <p:nvPr/>
         </p:nvSpPr>
@@ -3103,40 +3040,28 @@
           </a:lstStyle>
           <a:p>
             <a:r>
+              <a:rPr>
+                <a:sym typeface="+mn-ea"/>
+              </a:rPr>
               <a:t>孟宁</a:t>
             </a:r>
+            <a:endParaRPr>
+              <a:sym typeface="+mn-ea"/>
+            </a:endParaRPr>
+          </a:p>
+          <a:p>
+            <a:r>
+              <a:rPr lang="en-US" altLang="zh-CN">
+                <a:sym typeface="+mn-ea"/>
+              </a:rPr>
+              <a:t>mengning@ustc.edu.cn</a:t>
+            </a:r>
+            <a:endParaRPr lang="en-US" altLang="zh-CN">
+              <a:sym typeface="+mn-ea"/>
+            </a:endParaRPr>
           </a:p>
         </p:txBody>
       </p:sp>
-      <p:pic>
-        <p:nvPicPr>
-          <p:cNvPr id="123" name="pasted-image.png"/>
-          <p:cNvPicPr>
-            <a:picLocks noChangeAspect="1"/>
-          </p:cNvPicPr>
-          <p:nvPr/>
-        </p:nvPicPr>
-        <p:blipFill>
-          <a:blip r:embed="rId2"/>
-          <a:stretch>
-            <a:fillRect/>
-          </a:stretch>
-        </p:blipFill>
-        <p:spPr>
-          <a:xfrm>
-            <a:off x="18982463" y="8889223"/>
-            <a:ext cx="4506855" cy="4506856"/>
-          </a:xfrm>
-          <a:prstGeom prst="rect">
-            <a:avLst/>
-          </a:prstGeom>
-          <a:ln w="12700">
-            <a:miter lim="400000"/>
-            <a:headEnd/>
-            <a:tailEnd/>
-          </a:ln>
-        </p:spPr>
-      </p:pic>
     </p:spTree>
   </p:cSld>
   <p:clrMapOvr>
@@ -6864,11 +6789,7 @@
               <a:t>为了阅读方便，将上述代码简化为如下C和汇编结合的伪代码。</a:t>
             </a:r>
           </a:p>
-          <a:p>
-            <a:r>
-              <a:t>阅读完整代码请扫二维码获取链接</a:t>
-            </a:r>
-          </a:p>
+          <a:p/>
         </p:txBody>
       </p:sp>
       <p:sp>
@@ -6965,35 +6886,6 @@
           </a:p>
         </p:txBody>
       </p:sp>
-      <p:pic>
-        <p:nvPicPr>
-          <p:cNvPr id="197" name="pasted-image.png"/>
-          <p:cNvPicPr>
-            <a:picLocks noChangeAspect="1"/>
-          </p:cNvPicPr>
-          <p:nvPr/>
-        </p:nvPicPr>
-        <p:blipFill>
-          <a:blip r:embed="rId1"/>
-          <a:stretch>
-            <a:fillRect/>
-          </a:stretch>
-        </p:blipFill>
-        <p:spPr>
-          <a:xfrm>
-            <a:off x="3494206" y="7214989"/>
-            <a:ext cx="5461001" cy="5461001"/>
-          </a:xfrm>
-          <a:prstGeom prst="rect">
-            <a:avLst/>
-          </a:prstGeom>
-          <a:ln w="12700">
-            <a:miter lim="400000"/>
-            <a:headEnd/>
-            <a:tailEnd/>
-          </a:ln>
-        </p:spPr>
-      </p:pic>
     </p:spTree>
   </p:cSld>
   <p:clrMapOvr>
